--- a/SQLServerMachineLearningServer/SQLServerMLServerOverview.pptx
+++ b/SQLServerMachineLearningServer/SQLServerMLServerOverview.pptx
@@ -3002,7 +3002,7 @@
           <a:p>
             <a:fld id="{EA5437A5-9A1F-423F-AB35-0B6CC9C46E62}" type="datetimeFigureOut">
               <a:rPr lang="en-US" smtClean="0"/>
-              <a:t>8/10/2018</a:t>
+              <a:t>8/17/2018</a:t>
             </a:fld>
             <a:endParaRPr lang="en-US"/>
           </a:p>
@@ -4115,7 +4115,7 @@
           <a:p>
             <a:fld id="{D18B56EA-E28F-4F92-9F16-7A6F2501B303}" type="datetime8">
               <a:rPr lang="en-US" smtClean="0"/>
-              <a:t>8/10/2018 7:47 AM</a:t>
+              <a:t>8/17/2018 9:16 AM</a:t>
             </a:fld>
             <a:endParaRPr lang="en-US" dirty="0"/>
           </a:p>
@@ -16290,6 +16290,36 @@
           </a:p>
         </p:txBody>
       </p:sp>
+      <p:pic>
+        <p:nvPicPr>
+          <p:cNvPr id="4" name="Picture 3">
+            <a:extLst>
+              <a:ext uri="{FF2B5EF4-FFF2-40B4-BE49-F238E27FC236}">
+                <a16:creationId xmlns:a16="http://schemas.microsoft.com/office/drawing/2014/main" id="{BB14E6DA-CF97-4FE9-8B6F-18F963D6A57D}"/>
+              </a:ext>
+            </a:extLst>
+          </p:cNvPr>
+          <p:cNvPicPr>
+            <a:picLocks noChangeAspect="1"/>
+          </p:cNvPicPr>
+          <p:nvPr/>
+        </p:nvPicPr>
+        <p:blipFill>
+          <a:blip r:embed="rId4"/>
+          <a:stretch>
+            <a:fillRect/>
+          </a:stretch>
+        </p:blipFill>
+        <p:spPr>
+          <a:xfrm>
+            <a:off x="8824913" y="4745965"/>
+            <a:ext cx="1654834" cy="1654834"/>
+          </a:xfrm>
+          <a:prstGeom prst="rect">
+            <a:avLst/>
+          </a:prstGeom>
+        </p:spPr>
+      </p:pic>
     </p:spTree>
     <p:extLst>
       <p:ext uri="{BB962C8B-B14F-4D97-AF65-F5344CB8AC3E}">
